--- a/ML/Key_Insights.pptx
+++ b/ML/Key_Insights.pptx
@@ -3105,7 +3105,7 @@
           <a:lstStyle/>
           <a:p>
             <a:r>
-              <a:rPr lang="en-US" sz="2400" dirty="0" smtClean="0"/>
+              <a:rPr lang="en-US" sz="2400" u="sng" dirty="0" smtClean="0"/>
               <a:t>Results from Random Classifier Model:</a:t>
             </a:r>
           </a:p>
@@ -3130,7 +3130,7 @@
           <a:p>
             <a:r>
               <a:rPr lang="en-US" sz="2400" dirty="0" smtClean="0"/>
-              <a:t>The model we created did a good job in determining which users were to listen to a podcast based on its input features. Moving forward, we should collect more data to refine our model such that we can improve it even more, and have a better balance between non-listeners and listeners. </a:t>
+              <a:t>The model we created did a good job in determining which users were to listen to a podcast based on its input features. Moving forward, we should collect more data to refine our model such that we can improve it even more, and have a better balance between non-listeners and listeners to train on. </a:t>
             </a:r>
           </a:p>
           <a:p>
@@ -3373,8 +3373,8 @@
         </p:nvSpPr>
         <p:spPr>
           <a:xfrm>
-            <a:off x="7685433" y="385218"/>
-            <a:ext cx="4080997" cy="3277820"/>
+            <a:off x="7547410" y="39192"/>
+            <a:ext cx="4080997" cy="2554545"/>
           </a:xfrm>
           <a:prstGeom prst="rect">
             <a:avLst/>
@@ -3388,23 +3388,23 @@
           <a:lstStyle/>
           <a:p>
             <a:r>
-              <a:rPr lang="en-US" sz="2300" b="1" u="sng" dirty="0" smtClean="0"/>
+              <a:rPr lang="en-US" sz="2000" b="1" u="sng" dirty="0" smtClean="0"/>
               <a:t>Important Features Identified from Classifie</a:t>
             </a:r>
             <a:r>
-              <a:rPr lang="en-US" sz="2300" dirty="0" smtClean="0"/>
+              <a:rPr lang="en-US" sz="2000" dirty="0" smtClean="0"/>
               <a:t>r: </a:t>
             </a:r>
           </a:p>
           <a:p>
-            <a:endParaRPr lang="en-US" sz="2300" dirty="0"/>
+            <a:endParaRPr lang="en-US" sz="2000" dirty="0"/>
           </a:p>
           <a:p>
             <a:pPr marL="342900" indent="-342900">
               <a:buAutoNum type="arabicParenR"/>
             </a:pPr>
             <a:r>
-              <a:rPr lang="en-US" sz="2300" dirty="0" smtClean="0"/>
+              <a:rPr lang="en-US" sz="2000" dirty="0" smtClean="0"/>
               <a:t>Streaming Media Subs</a:t>
             </a:r>
           </a:p>
@@ -3413,7 +3413,7 @@
               <a:buAutoNum type="arabicParenR"/>
             </a:pPr>
             <a:r>
-              <a:rPr lang="en-US" sz="2300" dirty="0" smtClean="0"/>
+              <a:rPr lang="en-US" sz="2000" dirty="0" smtClean="0"/>
               <a:t>Streaming Entertainment Subs</a:t>
             </a:r>
           </a:p>
@@ -3422,7 +3422,7 @@
               <a:buAutoNum type="arabicParenR"/>
             </a:pPr>
             <a:r>
-              <a:rPr lang="en-US" sz="2300" dirty="0" smtClean="0"/>
+              <a:rPr lang="en-US" sz="2000" dirty="0" smtClean="0"/>
               <a:t>Presence of Child at Home</a:t>
             </a:r>
           </a:p>
@@ -3431,7 +3431,7 @@
               <a:buAutoNum type="arabicParenR"/>
             </a:pPr>
             <a:r>
-              <a:rPr lang="en-US" sz="2300" dirty="0" smtClean="0"/>
+              <a:rPr lang="en-US" sz="2000" dirty="0" smtClean="0"/>
               <a:t>Number of News Subs</a:t>
             </a:r>
           </a:p>
@@ -3440,10 +3440,10 @@
               <a:buAutoNum type="arabicParenR"/>
             </a:pPr>
             <a:r>
-              <a:rPr lang="en-US" sz="2300" dirty="0" smtClean="0"/>
+              <a:rPr lang="en-US" sz="2000" dirty="0" smtClean="0"/>
               <a:t>Age</a:t>
             </a:r>
-            <a:endParaRPr lang="en-US" sz="2300" dirty="0"/>
+            <a:endParaRPr lang="en-US" sz="2000" dirty="0"/>
           </a:p>
         </p:txBody>
       </p:sp>
@@ -3485,8 +3485,8 @@
         </p:nvSpPr>
         <p:spPr>
           <a:xfrm>
-            <a:off x="7685433" y="3895280"/>
-            <a:ext cx="4357042" cy="2246769"/>
+            <a:off x="7547410" y="2764572"/>
+            <a:ext cx="4357042" cy="4093428"/>
           </a:xfrm>
           <a:prstGeom prst="rect">
             <a:avLst/>
@@ -3501,7 +3501,7 @@
           <a:p>
             <a:r>
               <a:rPr lang="en-US" sz="2000" dirty="0" smtClean="0"/>
-              <a:t>Summary: A lot of the influential features that we distinguished through data exploration were identified by the classifier as important as well. It seems the data exploration was useful in understanding the roles each feature played. </a:t>
+              <a:t>Summary: A lot of the influential features that we distinguished through data exploration were identified by the classifier as important as well. It seems the data exploration was useful in understanding the roles each feature played.  The people we should target are those who are subscribed to media, news, and entertainment subs and those who have a child at home as these groups of people are more likely to listen to the podcast and have the app. </a:t>
             </a:r>
             <a:endParaRPr lang="en-US" sz="2000" dirty="0"/>
           </a:p>
